--- a/Memoria y presentación/Presentación.pptx
+++ b/Memoria y presentación/Presentación.pptx
@@ -208,7 +208,7 @@
           <a:p>
             <a:fld id="{2DD880C7-0587-41E8-B7D6-86A64B2063D9}" type="datetimeFigureOut">
               <a:rPr lang="es-ES" smtClean="0"/>
-              <a:t>06/06/2020</a:t>
+              <a:t>09/06/2020</a:t>
             </a:fld>
             <a:endParaRPr lang="es-ES"/>
           </a:p>
@@ -1534,7 +1534,7 @@
           <a:p>
             <a:fld id="{54F2FE91-F3AB-42AC-B7CD-EB7B28F8E17A}" type="datetimeFigureOut">
               <a:rPr lang="es-ES" smtClean="0"/>
-              <a:t>06/06/2020</a:t>
+              <a:t>09/06/2020</a:t>
             </a:fld>
             <a:endParaRPr lang="es-ES"/>
           </a:p>
@@ -1785,7 +1785,7 @@
           <a:p>
             <a:fld id="{54F2FE91-F3AB-42AC-B7CD-EB7B28F8E17A}" type="datetimeFigureOut">
               <a:rPr lang="es-ES" smtClean="0"/>
-              <a:t>06/06/2020</a:t>
+              <a:t>09/06/2020</a:t>
             </a:fld>
             <a:endParaRPr lang="es-ES"/>
           </a:p>
@@ -2099,7 +2099,7 @@
           <a:p>
             <a:fld id="{54F2FE91-F3AB-42AC-B7CD-EB7B28F8E17A}" type="datetimeFigureOut">
               <a:rPr lang="es-ES" smtClean="0"/>
-              <a:t>06/06/2020</a:t>
+              <a:t>09/06/2020</a:t>
             </a:fld>
             <a:endParaRPr lang="es-ES"/>
           </a:p>
@@ -2440,7 +2440,7 @@
           <a:p>
             <a:fld id="{54F2FE91-F3AB-42AC-B7CD-EB7B28F8E17A}" type="datetimeFigureOut">
               <a:rPr lang="es-ES" smtClean="0"/>
-              <a:t>06/06/2020</a:t>
+              <a:t>09/06/2020</a:t>
             </a:fld>
             <a:endParaRPr lang="es-ES"/>
           </a:p>
@@ -2754,7 +2754,7 @@
           <a:p>
             <a:fld id="{54F2FE91-F3AB-42AC-B7CD-EB7B28F8E17A}" type="datetimeFigureOut">
               <a:rPr lang="es-ES" smtClean="0"/>
-              <a:t>06/06/2020</a:t>
+              <a:t>09/06/2020</a:t>
             </a:fld>
             <a:endParaRPr lang="es-ES"/>
           </a:p>
@@ -3147,7 +3147,7 @@
           <a:p>
             <a:fld id="{54F2FE91-F3AB-42AC-B7CD-EB7B28F8E17A}" type="datetimeFigureOut">
               <a:rPr lang="es-ES" smtClean="0"/>
-              <a:t>06/06/2020</a:t>
+              <a:t>09/06/2020</a:t>
             </a:fld>
             <a:endParaRPr lang="es-ES"/>
           </a:p>
@@ -3317,7 +3317,7 @@
           <a:p>
             <a:fld id="{54F2FE91-F3AB-42AC-B7CD-EB7B28F8E17A}" type="datetimeFigureOut">
               <a:rPr lang="es-ES" smtClean="0"/>
-              <a:t>06/06/2020</a:t>
+              <a:t>09/06/2020</a:t>
             </a:fld>
             <a:endParaRPr lang="es-ES"/>
           </a:p>
@@ -3497,7 +3497,7 @@
           <a:p>
             <a:fld id="{54F2FE91-F3AB-42AC-B7CD-EB7B28F8E17A}" type="datetimeFigureOut">
               <a:rPr lang="es-ES" smtClean="0"/>
-              <a:t>06/06/2020</a:t>
+              <a:t>09/06/2020</a:t>
             </a:fld>
             <a:endParaRPr lang="es-ES"/>
           </a:p>
@@ -3673,7 +3673,7 @@
           <a:p>
             <a:fld id="{54F2FE91-F3AB-42AC-B7CD-EB7B28F8E17A}" type="datetimeFigureOut">
               <a:rPr lang="es-ES" smtClean="0"/>
-              <a:t>06/06/2020</a:t>
+              <a:t>09/06/2020</a:t>
             </a:fld>
             <a:endParaRPr lang="es-ES"/>
           </a:p>
@@ -3920,7 +3920,7 @@
           <a:p>
             <a:fld id="{54F2FE91-F3AB-42AC-B7CD-EB7B28F8E17A}" type="datetimeFigureOut">
               <a:rPr lang="es-ES" smtClean="0"/>
-              <a:t>06/06/2020</a:t>
+              <a:t>09/06/2020</a:t>
             </a:fld>
             <a:endParaRPr lang="es-ES"/>
           </a:p>
@@ -4152,7 +4152,7 @@
           <a:p>
             <a:fld id="{54F2FE91-F3AB-42AC-B7CD-EB7B28F8E17A}" type="datetimeFigureOut">
               <a:rPr lang="es-ES" smtClean="0"/>
-              <a:t>06/06/2020</a:t>
+              <a:t>09/06/2020</a:t>
             </a:fld>
             <a:endParaRPr lang="es-ES"/>
           </a:p>
@@ -4526,7 +4526,7 @@
           <a:p>
             <a:fld id="{54F2FE91-F3AB-42AC-B7CD-EB7B28F8E17A}" type="datetimeFigureOut">
               <a:rPr lang="es-ES" smtClean="0"/>
-              <a:t>06/06/2020</a:t>
+              <a:t>09/06/2020</a:t>
             </a:fld>
             <a:endParaRPr lang="es-ES"/>
           </a:p>
@@ -4649,7 +4649,7 @@
           <a:p>
             <a:fld id="{54F2FE91-F3AB-42AC-B7CD-EB7B28F8E17A}" type="datetimeFigureOut">
               <a:rPr lang="es-ES" smtClean="0"/>
-              <a:t>06/06/2020</a:t>
+              <a:t>09/06/2020</a:t>
             </a:fld>
             <a:endParaRPr lang="es-ES"/>
           </a:p>
@@ -4744,7 +4744,7 @@
           <a:p>
             <a:fld id="{54F2FE91-F3AB-42AC-B7CD-EB7B28F8E17A}" type="datetimeFigureOut">
               <a:rPr lang="es-ES" smtClean="0"/>
-              <a:t>06/06/2020</a:t>
+              <a:t>09/06/2020</a:t>
             </a:fld>
             <a:endParaRPr lang="es-ES"/>
           </a:p>
@@ -4999,7 +4999,7 @@
           <a:p>
             <a:fld id="{54F2FE91-F3AB-42AC-B7CD-EB7B28F8E17A}" type="datetimeFigureOut">
               <a:rPr lang="es-ES" smtClean="0"/>
-              <a:t>06/06/2020</a:t>
+              <a:t>09/06/2020</a:t>
             </a:fld>
             <a:endParaRPr lang="es-ES"/>
           </a:p>
@@ -5262,7 +5262,7 @@
           <a:p>
             <a:fld id="{54F2FE91-F3AB-42AC-B7CD-EB7B28F8E17A}" type="datetimeFigureOut">
               <a:rPr lang="es-ES" smtClean="0"/>
-              <a:t>06/06/2020</a:t>
+              <a:t>09/06/2020</a:t>
             </a:fld>
             <a:endParaRPr lang="es-ES"/>
           </a:p>
@@ -6005,7 +6005,7 @@
           <a:p>
             <a:fld id="{54F2FE91-F3AB-42AC-B7CD-EB7B28F8E17A}" type="datetimeFigureOut">
               <a:rPr lang="es-ES" smtClean="0"/>
-              <a:t>06/06/2020</a:t>
+              <a:t>09/06/2020</a:t>
             </a:fld>
             <a:endParaRPr lang="es-ES"/>
           </a:p>
@@ -7696,8 +7696,19 @@
           <a:p>
             <a:pPr lvl="1"/>
             <a:r>
+              <a:rPr lang="es-ES" smtClean="0"/>
+              <a:t>Login</a:t>
+            </a:r>
+          </a:p>
+          <a:p>
+            <a:pPr lvl="1"/>
+            <a:r>
               <a:rPr lang="es-ES" dirty="0" smtClean="0"/>
-              <a:t>Mis líneas</a:t>
+              <a:t>Mis </a:t>
+            </a:r>
+            <a:r>
+              <a:rPr lang="es-ES" dirty="0" smtClean="0"/>
+              <a:t>líneas</a:t>
             </a:r>
           </a:p>
           <a:p>
